--- a/PPT/02- Angular Databinding.pptx
+++ b/PPT/02- Angular Databinding.pptx
@@ -11162,14 +11162,14 @@
                 <a:latin typeface="Verdana"/>
                 <a:cs typeface="Verdana"/>
               </a:rPr>
-              <a:t>Controlle</a:t>
-            </a:r>
-            <a:r>
-              <a:rPr sz="2150" dirty="0">
+              <a:t>Co</a:t>
+            </a:r>
+            <a:r>
+              <a:rPr lang="nl-NL" sz="2150" spc="-5" dirty="0" err="1">
                 <a:latin typeface="Verdana"/>
                 <a:cs typeface="Verdana"/>
               </a:rPr>
-              <a:t>r</a:t>
+              <a:t>mponent</a:t>
             </a:r>
             <a:r>
               <a:rPr sz="2150" spc="210" dirty="0">
@@ -20222,7 +20222,21 @@
               <a:t>these </a:t>
             </a:r>
             <a:r>
-              <a:rPr lang="en-GB" sz="2000" dirty="0">
+              <a:rPr lang="nl-NL" sz="2000" b="1" i="1" spc="-20" dirty="0">
+                <a:latin typeface="Verdana"/>
+                <a:cs typeface="Verdana"/>
+              </a:rPr>
+              <a:t>square</a:t>
+            </a:r>
+            <a:r>
+              <a:rPr lang="nl-NL" sz="2000" spc="-20" dirty="0">
+                <a:latin typeface="Verdana"/>
+                <a:cs typeface="Verdana"/>
+              </a:rPr>
+              <a:t> </a:t>
+            </a:r>
+            <a:r>
+              <a:rPr lang="en-GB" sz="2000" b="1" dirty="0">
                 <a:latin typeface="Verdana" panose="020B0604030504040204" pitchFamily="34" charset="0"/>
                 <a:ea typeface="Verdana" panose="020B0604030504040204" pitchFamily="34" charset="0"/>
                 <a:cs typeface="Verdana" panose="020B0604030504040204" pitchFamily="34" charset="0"/>
@@ -20600,14 +20614,14 @@
               <a:t>=“</a:t>
             </a:r>
             <a:r>
-              <a:rPr sz="2150" spc="-5" dirty="0">
+              <a:rPr lang="nl-NL" sz="2150" spc="-5" dirty="0" err="1">
                 <a:solidFill>
                   <a:srgbClr val="C00000"/>
                 </a:solidFill>
                 <a:latin typeface="Courier New"/>
                 <a:cs typeface="Courier New"/>
               </a:rPr>
-              <a:t>yellow</a:t>
+              <a:t>color</a:t>
             </a:r>
             <a:r>
               <a:rPr sz="2150" spc="-5" dirty="0">
@@ -21928,7 +21942,7 @@
         <p:spPr>
           <a:xfrm>
             <a:off x="366000" y="1612623"/>
-            <a:ext cx="9961399" cy="4188583"/>
+            <a:ext cx="9961399" cy="2164695"/>
           </a:xfrm>
           <a:prstGeom prst="rect">
             <a:avLst/>
@@ -22307,277 +22321,6 @@
             <a:endParaRPr sz="1300" dirty="0">
               <a:latin typeface="Times New Roman"/>
               <a:cs typeface="Times New Roman"/>
-            </a:endParaRPr>
-          </a:p>
-          <a:p>
-            <a:pPr marL="1254125" indent="-340995">
-              <a:lnSpc>
-                <a:spcPct val="100000"/>
-              </a:lnSpc>
-              <a:buFont typeface="Verdana"/>
-              <a:buChar char="•"/>
-              <a:tabLst>
-                <a:tab pos="1254760" algn="l"/>
-              </a:tabLst>
-            </a:pPr>
-            <a:r>
-              <a:rPr sz="1950" spc="-20" dirty="0"/>
-              <a:t>A</a:t>
-            </a:r>
-            <a:r>
-              <a:rPr sz="1950" spc="-15" dirty="0"/>
-              <a:t>ngular</a:t>
-            </a:r>
-            <a:r>
-              <a:rPr lang="nl-NL" sz="1950" spc="-15" dirty="0"/>
-              <a:t>JS</a:t>
-            </a:r>
-            <a:r>
-              <a:rPr sz="1950" spc="-15" dirty="0"/>
-              <a:t>:</a:t>
-            </a:r>
-            <a:endParaRPr sz="1950" dirty="0">
-              <a:latin typeface="Times New Roman"/>
-              <a:cs typeface="Times New Roman"/>
-            </a:endParaRPr>
-          </a:p>
-          <a:p>
-            <a:pPr marL="1862455" marR="5080" indent="-283845">
-              <a:lnSpc>
-                <a:spcPct val="149400"/>
-              </a:lnSpc>
-              <a:spcBef>
-                <a:spcPts val="470"/>
-              </a:spcBef>
-              <a:buFont typeface="Wingdings"/>
-              <a:buChar char=""/>
-              <a:tabLst>
-                <a:tab pos="1863089" algn="l"/>
-              </a:tabLst>
-            </a:pPr>
-            <a:r>
-              <a:rPr sz="1600" spc="-15" dirty="0"/>
-              <a:t>Views</a:t>
-            </a:r>
-            <a:r>
-              <a:rPr sz="1600" spc="165" dirty="0">
-                <a:latin typeface="Times New Roman"/>
-                <a:cs typeface="Times New Roman"/>
-              </a:rPr>
-              <a:t> </a:t>
-            </a:r>
-            <a:r>
-              <a:rPr lang="nl-NL" sz="1600" spc="-10" dirty="0"/>
-              <a:t>are standalone </a:t>
-            </a:r>
-            <a:r>
-              <a:rPr sz="1600" spc="-15" dirty="0"/>
-              <a:t>HT</a:t>
-            </a:r>
-            <a:r>
-              <a:rPr sz="1600" spc="-20" dirty="0"/>
-              <a:t>M</a:t>
-            </a:r>
-            <a:r>
-              <a:rPr sz="1600" spc="-135" dirty="0"/>
-              <a:t>L</a:t>
-            </a:r>
-            <a:r>
-              <a:rPr sz="1600" spc="-10" dirty="0"/>
-              <a:t>-do</a:t>
-            </a:r>
-            <a:r>
-              <a:rPr sz="1600" spc="-25" dirty="0"/>
-              <a:t>c</a:t>
-            </a:r>
-            <a:r>
-              <a:rPr sz="1600" spc="-20" dirty="0"/>
-              <a:t>ument</a:t>
-            </a:r>
-            <a:r>
-              <a:rPr lang="nl-NL" sz="1600" spc="-20" dirty="0"/>
-              <a:t>s</a:t>
-            </a:r>
-            <a:r>
-              <a:rPr sz="1600" spc="-10" dirty="0"/>
-              <a:t>.</a:t>
-            </a:r>
-            <a:r>
-              <a:rPr sz="1600" spc="190" dirty="0">
-                <a:latin typeface="Times New Roman"/>
-                <a:cs typeface="Times New Roman"/>
-              </a:rPr>
-              <a:t> </a:t>
-            </a:r>
-            <a:r>
-              <a:rPr lang="nl-NL" sz="1600" spc="-15" dirty="0">
-                <a:latin typeface="Times New Roman"/>
-                <a:cs typeface="Times New Roman"/>
-              </a:rPr>
-              <a:t>V</a:t>
-            </a:r>
-            <a:r>
-              <a:rPr sz="1600" spc="-15" dirty="0" err="1"/>
-              <a:t>i</a:t>
-            </a:r>
-            <a:r>
-              <a:rPr sz="1600" spc="-10" dirty="0" err="1"/>
-              <a:t>a</a:t>
-            </a:r>
-            <a:r>
-              <a:rPr sz="1600" spc="165" dirty="0">
-                <a:latin typeface="Times New Roman"/>
-                <a:cs typeface="Times New Roman"/>
-              </a:rPr>
-              <a:t> </a:t>
-            </a:r>
-            <a:r>
-              <a:rPr sz="1600" spc="-15" dirty="0"/>
-              <a:t>rout</a:t>
-            </a:r>
-            <a:r>
-              <a:rPr lang="nl-NL" sz="1600" spc="-15" dirty="0" err="1"/>
-              <a:t>ers</a:t>
-            </a:r>
-            <a:r>
-              <a:rPr lang="nl-NL" sz="1600" spc="-15" dirty="0"/>
-              <a:t>/hyperlinks</a:t>
-            </a:r>
-            <a:r>
-              <a:rPr sz="1600" spc="155" dirty="0">
-                <a:latin typeface="Times New Roman"/>
-                <a:cs typeface="Times New Roman"/>
-              </a:rPr>
-              <a:t> </a:t>
-            </a:r>
-            <a:r>
-              <a:rPr lang="nl-NL" sz="1600" spc="-10" dirty="0" err="1"/>
-              <a:t>the</a:t>
-            </a:r>
-            <a:r>
-              <a:rPr lang="nl-NL" sz="1600" spc="-10" dirty="0"/>
-              <a:t> Views are </a:t>
-            </a:r>
-            <a:r>
-              <a:rPr lang="nl-NL" sz="1600" spc="-10" dirty="0" err="1"/>
-              <a:t>connected</a:t>
-            </a:r>
-            <a:endParaRPr sz="1600" dirty="0">
-              <a:latin typeface="Times New Roman"/>
-              <a:cs typeface="Times New Roman"/>
-            </a:endParaRPr>
-          </a:p>
-          <a:p>
-            <a:pPr marL="900430">
-              <a:lnSpc>
-                <a:spcPct val="100000"/>
-              </a:lnSpc>
-              <a:spcBef>
-                <a:spcPts val="39"/>
-              </a:spcBef>
-            </a:pPr>
-            <a:endParaRPr sz="1300" dirty="0">
-              <a:latin typeface="Times New Roman"/>
-              <a:cs typeface="Times New Roman"/>
-            </a:endParaRPr>
-          </a:p>
-          <a:p>
-            <a:pPr marL="1254125" indent="-340995">
-              <a:lnSpc>
-                <a:spcPct val="100000"/>
-              </a:lnSpc>
-              <a:buFont typeface="Verdana"/>
-              <a:buChar char="•"/>
-              <a:tabLst>
-                <a:tab pos="1254760" algn="l"/>
-              </a:tabLst>
-            </a:pPr>
-            <a:r>
-              <a:rPr sz="1950" spc="-20" dirty="0"/>
-              <a:t>A</a:t>
-            </a:r>
-            <a:r>
-              <a:rPr sz="1950" spc="-15" dirty="0"/>
-              <a:t>ngular:</a:t>
-            </a:r>
-            <a:endParaRPr sz="1950" dirty="0">
-              <a:latin typeface="Times New Roman"/>
-              <a:cs typeface="Times New Roman"/>
-            </a:endParaRPr>
-          </a:p>
-          <a:p>
-            <a:pPr marL="1862455" lvl="1" indent="-283845">
-              <a:lnSpc>
-                <a:spcPct val="100000"/>
-              </a:lnSpc>
-              <a:spcBef>
-                <a:spcPts val="1415"/>
-              </a:spcBef>
-              <a:buFont typeface="Wingdings"/>
-              <a:buChar char=""/>
-              <a:tabLst>
-                <a:tab pos="1863089" algn="l"/>
-              </a:tabLst>
-            </a:pPr>
-            <a:r>
-              <a:rPr sz="1600" spc="-10" dirty="0">
-                <a:latin typeface="Verdana"/>
-                <a:cs typeface="Verdana"/>
-              </a:rPr>
-              <a:t>View</a:t>
-            </a:r>
-            <a:r>
-              <a:rPr sz="1600" spc="160" dirty="0">
-                <a:latin typeface="Times New Roman"/>
-                <a:cs typeface="Times New Roman"/>
-              </a:rPr>
-              <a:t> </a:t>
-            </a:r>
-            <a:r>
-              <a:rPr lang="nl-NL" sz="1600" spc="-15" dirty="0">
-                <a:latin typeface="Verdana"/>
-                <a:cs typeface="Verdana"/>
-              </a:rPr>
-              <a:t>is </a:t>
-            </a:r>
-            <a:r>
-              <a:rPr lang="nl-NL" sz="1600" spc="-15" dirty="0" err="1">
-                <a:latin typeface="Verdana"/>
-                <a:cs typeface="Verdana"/>
-              </a:rPr>
-              <a:t>coopled</a:t>
-            </a:r>
-            <a:r>
-              <a:rPr lang="nl-NL" sz="1600" spc="-15" dirty="0">
-                <a:latin typeface="Verdana"/>
-                <a:cs typeface="Verdana"/>
-              </a:rPr>
-              <a:t> </a:t>
-            </a:r>
-            <a:r>
-              <a:rPr lang="nl-NL" sz="1600" spc="-15" dirty="0" err="1">
-                <a:latin typeface="Verdana"/>
-                <a:cs typeface="Verdana"/>
-              </a:rPr>
-              <a:t>to</a:t>
-            </a:r>
-            <a:r>
-              <a:rPr lang="nl-NL" sz="1600" spc="-15" dirty="0">
-                <a:latin typeface="Verdana"/>
-                <a:cs typeface="Verdana"/>
-              </a:rPr>
-              <a:t> a </a:t>
-            </a:r>
-            <a:r>
-              <a:rPr sz="1600" spc="-15" dirty="0">
-                <a:latin typeface="Verdana"/>
-                <a:cs typeface="Verdana"/>
-              </a:rPr>
-              <a:t>component</a:t>
-            </a:r>
-            <a:endParaRPr sz="1600" dirty="0">
-              <a:latin typeface="Verdana"/>
-              <a:cs typeface="Verdana"/>
             </a:endParaRPr>
           </a:p>
         </p:txBody>
@@ -25536,7 +25279,7 @@
         <p:spPr>
           <a:xfrm>
             <a:off x="2908300" y="2030730"/>
-            <a:ext cx="6529070" cy="354965"/>
+            <a:ext cx="6529070" cy="400110"/>
           </a:xfrm>
           <a:prstGeom prst="rect">
             <a:avLst/>
@@ -25564,7 +25307,27 @@
                 <a:latin typeface="Courier New"/>
                 <a:cs typeface="Courier New"/>
               </a:rPr>
-              <a:t>[(ngModel)</a:t>
+              <a:t>[(</a:t>
+            </a:r>
+            <a:r>
+              <a:rPr sz="2600" b="1" spc="-25" dirty="0" err="1">
+                <a:solidFill>
+                  <a:srgbClr val="FF0000"/>
+                </a:solidFill>
+                <a:latin typeface="Courier New"/>
+                <a:cs typeface="Courier New"/>
+              </a:rPr>
+              <a:t>ngModel</a:t>
+            </a:r>
+            <a:r>
+              <a:rPr sz="2600" b="1" spc="-25" dirty="0">
+                <a:solidFill>
+                  <a:srgbClr val="FF0000"/>
+                </a:solidFill>
+                <a:latin typeface="Courier New"/>
+                <a:cs typeface="Courier New"/>
+              </a:rPr>
+              <a:t>)</a:t>
             </a:r>
             <a:r>
               <a:rPr sz="2600" b="1" spc="-30" dirty="0">
@@ -25581,7 +25344,14 @@
                 <a:latin typeface="Courier New"/>
                 <a:cs typeface="Courier New"/>
               </a:rPr>
-              <a:t>=“person.firstName</a:t>
+              <a:t>=“</a:t>
+            </a:r>
+            <a:r>
+              <a:rPr lang="nl-NL" sz="2600" spc="-25" dirty="0" err="1">
+                <a:latin typeface="Courier New"/>
+                <a:cs typeface="Courier New"/>
+              </a:rPr>
+              <a:t>newCity</a:t>
             </a:r>
             <a:r>
               <a:rPr sz="2600" spc="-20" dirty="0">
@@ -25589,13 +25359,6 @@
                 <a:cs typeface="Courier New"/>
               </a:rPr>
               <a:t>”</a:t>
-            </a:r>
-            <a:r>
-              <a:rPr sz="2600" dirty="0">
-                <a:latin typeface="Times New Roman"/>
-                <a:cs typeface="Times New Roman"/>
-              </a:rPr>
-              <a:t>	</a:t>
             </a:r>
             <a:r>
               <a:rPr sz="2600" spc="-25" dirty="0">
@@ -26144,90 +25907,41 @@
               </a:lnSpc>
             </a:pPr>
             <a:r>
-              <a:rPr lang="en-US" sz="2150" spc="-5" dirty="0" err="1">
+              <a:rPr lang="en-US" sz="2150" b="1" u="sng" spc="-5" dirty="0">
                 <a:latin typeface="Arial"/>
                 <a:cs typeface="Arial"/>
               </a:rPr>
-              <a:t>Da</a:t>
-            </a:r>
-            <a:r>
-              <a:rPr lang="en-US" sz="2150" dirty="0" err="1">
+              <a:t>This</a:t>
+            </a:r>
+            <a:r>
+              <a:rPr lang="en-US" sz="2150" b="1" u="sng" dirty="0">
                 <a:latin typeface="Arial"/>
                 <a:cs typeface="Arial"/>
               </a:rPr>
-              <a:t>t</a:t>
-            </a:r>
-            <a:r>
-              <a:rPr lang="en-US" sz="2150" dirty="0">
+              <a:t> </a:t>
+            </a:r>
+            <a:r>
+              <a:rPr lang="en-US" sz="2150" b="1" u="sng" spc="-5" dirty="0">
                 <a:latin typeface="Arial"/>
                 <a:cs typeface="Arial"/>
               </a:rPr>
-              <a:t> </a:t>
-            </a:r>
-            <a:r>
-              <a:rPr lang="en-US" sz="2150" spc="-5" dirty="0">
+              <a:t>i</a:t>
+            </a:r>
+            <a:r>
+              <a:rPr lang="en-US" sz="2150" b="1" u="sng" dirty="0">
                 <a:latin typeface="Arial"/>
                 <a:cs typeface="Arial"/>
               </a:rPr>
-              <a:t>i</a:t>
-            </a:r>
-            <a:r>
-              <a:rPr lang="en-US" sz="2150" dirty="0">
+              <a:t>s </a:t>
+            </a:r>
+            <a:r>
+              <a:rPr lang="en-US" sz="2150" b="1" u="sng" spc="-5" dirty="0">
                 <a:latin typeface="Arial"/>
                 <a:cs typeface="Arial"/>
               </a:rPr>
-              <a:t>s </a:t>
-            </a:r>
-            <a:r>
-              <a:rPr lang="en-US" sz="2150" spc="-5" dirty="0">
-                <a:latin typeface="Arial"/>
-                <a:cs typeface="Arial"/>
-              </a:rPr>
-              <a:t>shorthand-</a:t>
-            </a:r>
-            <a:r>
-              <a:rPr lang="en-US" sz="2150" spc="-5" dirty="0" err="1">
-                <a:latin typeface="Arial"/>
-                <a:cs typeface="Arial"/>
-              </a:rPr>
-              <a:t>notati</a:t>
-            </a:r>
-            <a:r>
-              <a:rPr lang="en-US" sz="2150" dirty="0" err="1">
-                <a:latin typeface="Arial"/>
-                <a:cs typeface="Arial"/>
-              </a:rPr>
-              <a:t>e</a:t>
-            </a:r>
-            <a:r>
-              <a:rPr lang="en-US" sz="2150" spc="-20" dirty="0">
-                <a:latin typeface="Arial"/>
-                <a:cs typeface="Arial"/>
-              </a:rPr>
-              <a:t> </a:t>
-            </a:r>
-            <a:r>
-              <a:rPr lang="en-US" sz="2150" dirty="0" err="1">
-                <a:latin typeface="Arial"/>
-                <a:cs typeface="Arial"/>
-              </a:rPr>
-              <a:t>v</a:t>
-            </a:r>
-            <a:r>
-              <a:rPr lang="en-US" sz="2150" spc="-5" dirty="0" err="1">
-                <a:latin typeface="Arial"/>
-                <a:cs typeface="Arial"/>
-              </a:rPr>
-              <a:t>oor</a:t>
-            </a:r>
-            <a:r>
-              <a:rPr lang="en-US" sz="2150" spc="-5" dirty="0">
-                <a:latin typeface="Arial"/>
-                <a:cs typeface="Arial"/>
-              </a:rPr>
-              <a:t>:</a:t>
-            </a:r>
-            <a:endParaRPr lang="en-US" sz="2150" dirty="0">
+              <a:t>shorthand-notation for:</a:t>
+            </a:r>
+            <a:endParaRPr lang="en-US" sz="2150" b="1" u="sng" dirty="0">
               <a:latin typeface="Arial"/>
               <a:cs typeface="Arial"/>
             </a:endParaRPr>
@@ -28496,7 +28210,7 @@
             <a:r>
               <a:rPr sz="1700" b="1" spc="-5" dirty="0">
                 <a:solidFill>
-                  <a:srgbClr val="008000"/>
+                  <a:srgbClr val="C00000"/>
                 </a:solidFill>
                 <a:latin typeface="Consolas"/>
                 <a:cs typeface="Consolas"/>
@@ -28506,7 +28220,7 @@
             <a:r>
               <a:rPr sz="1700" b="1" spc="5" dirty="0">
                 <a:solidFill>
-                  <a:srgbClr val="008000"/>
+                  <a:srgbClr val="C00000"/>
                 </a:solidFill>
                 <a:latin typeface="Consolas"/>
                 <a:cs typeface="Consolas"/>
@@ -28576,12 +28290,22 @@
             <a:r>
               <a:rPr sz="1700" b="1" spc="-5" dirty="0">
                 <a:solidFill>
-                  <a:srgbClr val="008000"/>
-                </a:solidFill>
-                <a:latin typeface="Consolas"/>
-                <a:cs typeface="Consolas"/>
-              </a:rPr>
-              <a:t>}}&lt;/h2&gt;</a:t>
+                  <a:srgbClr val="C00000"/>
+                </a:solidFill>
+                <a:latin typeface="Consolas"/>
+                <a:cs typeface="Consolas"/>
+              </a:rPr>
+              <a:t>}}</a:t>
+            </a:r>
+            <a:r>
+              <a:rPr sz="1700" b="1" spc="-5" dirty="0">
+                <a:solidFill>
+                  <a:srgbClr val="008000"/>
+                </a:solidFill>
+                <a:latin typeface="Consolas"/>
+                <a:cs typeface="Consolas"/>
+              </a:rPr>
+              <a:t>&lt;/h2&gt;</a:t>
             </a:r>
             <a:endParaRPr sz="1700" dirty="0">
               <a:latin typeface="Consolas"/>
@@ -28790,7 +28514,7 @@
             <a:r>
               <a:rPr sz="1700" b="1" spc="-5" dirty="0">
                 <a:solidFill>
-                  <a:srgbClr val="008000"/>
+                  <a:srgbClr val="C00000"/>
                 </a:solidFill>
                 <a:latin typeface="Consolas"/>
                 <a:cs typeface="Consolas"/>
@@ -28800,7 +28524,7 @@
             <a:r>
               <a:rPr sz="1700" b="1" spc="5" dirty="0">
                 <a:solidFill>
-                  <a:srgbClr val="008000"/>
+                  <a:srgbClr val="C00000"/>
                 </a:solidFill>
                 <a:latin typeface="Consolas"/>
                 <a:cs typeface="Consolas"/>
@@ -28870,12 +28594,22 @@
             <a:r>
               <a:rPr sz="1700" b="1" spc="-5" dirty="0">
                 <a:solidFill>
-                  <a:srgbClr val="008000"/>
-                </a:solidFill>
-                <a:latin typeface="Consolas"/>
-                <a:cs typeface="Consolas"/>
-              </a:rPr>
-              <a:t>}}&lt;/h2&gt;</a:t>
+                  <a:srgbClr val="C00000"/>
+                </a:solidFill>
+                <a:latin typeface="Consolas"/>
+                <a:cs typeface="Consolas"/>
+              </a:rPr>
+              <a:t>}}</a:t>
+            </a:r>
+            <a:r>
+              <a:rPr sz="1700" b="1" spc="-5" dirty="0">
+                <a:solidFill>
+                  <a:srgbClr val="008000"/>
+                </a:solidFill>
+                <a:latin typeface="Consolas"/>
+                <a:cs typeface="Consolas"/>
+              </a:rPr>
+              <a:t>&lt;/h2&gt;</a:t>
             </a:r>
             <a:endParaRPr sz="1700" dirty="0">
               <a:latin typeface="Consolas"/>
@@ -30602,37 +30336,107 @@
                 <a:latin typeface="Consolas"/>
                 <a:cs typeface="Consolas"/>
               </a:rPr>
-              <a:t>cities"&gt;{</a:t>
+              <a:t>cities"&gt;</a:t>
+            </a:r>
+            <a:r>
+              <a:rPr sz="1500" b="1" spc="5" dirty="0">
+                <a:solidFill>
+                  <a:srgbClr val="C00000"/>
+                </a:solidFill>
+                <a:latin typeface="Consolas"/>
+                <a:cs typeface="Consolas"/>
+              </a:rPr>
+              <a:t>{</a:t>
+            </a:r>
+            <a:r>
+              <a:rPr sz="1500" b="1" dirty="0">
+                <a:solidFill>
+                  <a:srgbClr val="C00000"/>
+                </a:solidFill>
+                <a:latin typeface="Consolas"/>
+                <a:cs typeface="Consolas"/>
+              </a:rPr>
+              <a:t>{</a:t>
             </a:r>
             <a:r>
               <a:rPr sz="1500" dirty="0">
                 <a:solidFill>
                   <a:srgbClr val="008000"/>
                 </a:solidFill>
-                <a:latin typeface="Consolas"/>
-                <a:cs typeface="Consolas"/>
-              </a:rPr>
-              <a:t>{</a:t>
+                <a:latin typeface="Times New Roman"/>
+                <a:cs typeface="Times New Roman"/>
+              </a:rPr>
+              <a:t> </a:t>
+            </a:r>
+            <a:r>
+              <a:rPr sz="1500" spc="85" dirty="0">
+                <a:solidFill>
+                  <a:srgbClr val="008000"/>
+                </a:solidFill>
+                <a:latin typeface="Times New Roman"/>
+                <a:cs typeface="Times New Roman"/>
+              </a:rPr>
+              <a:t> </a:t>
+            </a:r>
+            <a:r>
+              <a:rPr sz="1500" spc="5" dirty="0">
+                <a:solidFill>
+                  <a:srgbClr val="008000"/>
+                </a:solidFill>
+                <a:latin typeface="Consolas"/>
+                <a:cs typeface="Consolas"/>
+              </a:rPr>
+              <a:t>cit</a:t>
             </a:r>
             <a:r>
               <a:rPr sz="1500" dirty="0">
                 <a:solidFill>
                   <a:srgbClr val="008000"/>
                 </a:solidFill>
-                <a:latin typeface="Times New Roman"/>
-                <a:cs typeface="Times New Roman"/>
-              </a:rPr>
-              <a:t> </a:t>
-            </a:r>
-            <a:r>
-              <a:rPr sz="1500" spc="85" dirty="0">
-                <a:solidFill>
-                  <a:srgbClr val="008000"/>
-                </a:solidFill>
-                <a:latin typeface="Times New Roman"/>
-                <a:cs typeface="Times New Roman"/>
-              </a:rPr>
-              <a:t> </a:t>
+                <a:latin typeface="Consolas"/>
+                <a:cs typeface="Consolas"/>
+              </a:rPr>
+              <a:t>y</a:t>
+            </a:r>
+            <a:r>
+              <a:rPr sz="1500" dirty="0">
+                <a:solidFill>
+                  <a:srgbClr val="008000"/>
+                </a:solidFill>
+                <a:latin typeface="Times New Roman"/>
+                <a:cs typeface="Times New Roman"/>
+              </a:rPr>
+              <a:t> </a:t>
+            </a:r>
+            <a:r>
+              <a:rPr sz="1500" spc="90" dirty="0">
+                <a:solidFill>
+                  <a:srgbClr val="008000"/>
+                </a:solidFill>
+                <a:latin typeface="Times New Roman"/>
+                <a:cs typeface="Times New Roman"/>
+              </a:rPr>
+              <a:t> </a:t>
+            </a:r>
+            <a:r>
+              <a:rPr sz="1500" b="1" dirty="0">
+                <a:solidFill>
+                  <a:srgbClr val="C00000"/>
+                </a:solidFill>
+                <a:latin typeface="Consolas"/>
+                <a:cs typeface="Consolas"/>
+              </a:rPr>
+              <a:t>}</a:t>
+            </a:r>
+            <a:r>
+              <a:rPr sz="1500" b="1" spc="5" dirty="0">
+                <a:solidFill>
+                  <a:srgbClr val="C00000"/>
+                </a:solidFill>
+                <a:latin typeface="Consolas"/>
+                <a:cs typeface="Consolas"/>
+              </a:rPr>
+              <a:t>}</a:t>
             </a:r>
             <a:r>
               <a:rPr sz="1500" spc="5" dirty="0">
@@ -30642,57 +30446,7 @@
                 <a:latin typeface="Consolas"/>
                 <a:cs typeface="Consolas"/>
               </a:rPr>
-              <a:t>cit</a:t>
-            </a:r>
-            <a:r>
-              <a:rPr sz="1500" dirty="0">
-                <a:solidFill>
-                  <a:srgbClr val="008000"/>
-                </a:solidFill>
-                <a:latin typeface="Consolas"/>
-                <a:cs typeface="Consolas"/>
-              </a:rPr>
-              <a:t>y</a:t>
-            </a:r>
-            <a:r>
-              <a:rPr sz="1500" dirty="0">
-                <a:solidFill>
-                  <a:srgbClr val="008000"/>
-                </a:solidFill>
-                <a:latin typeface="Times New Roman"/>
-                <a:cs typeface="Times New Roman"/>
-              </a:rPr>
-              <a:t> </a:t>
-            </a:r>
-            <a:r>
-              <a:rPr sz="1500" spc="90" dirty="0">
-                <a:solidFill>
-                  <a:srgbClr val="008000"/>
-                </a:solidFill>
-                <a:latin typeface="Times New Roman"/>
-                <a:cs typeface="Times New Roman"/>
-              </a:rPr>
-              <a:t> </a:t>
-            </a:r>
-            <a:r>
-              <a:rPr sz="1500" dirty="0">
-                <a:solidFill>
-                  <a:srgbClr val="008000"/>
-                </a:solidFill>
-                <a:latin typeface="Consolas"/>
-                <a:cs typeface="Consolas"/>
-              </a:rPr>
-              <a:t>}</a:t>
-            </a:r>
-            <a:r>
-              <a:rPr sz="1500" spc="5" dirty="0">
-                <a:solidFill>
-                  <a:srgbClr val="008000"/>
-                </a:solidFill>
-                <a:latin typeface="Consolas"/>
-                <a:cs typeface="Consolas"/>
-              </a:rPr>
-              <a:t>}&lt;/li</a:t>
+              <a:t>&lt;/li</a:t>
             </a:r>
             <a:r>
               <a:rPr sz="1500" dirty="0">

--- a/PPT/02- Angular Databinding.pptx
+++ b/PPT/02- Angular Databinding.pptx
@@ -3243,7 +3243,7 @@
           <a:p>
             <a:fld id="{14471771-6CF3-0A4E-92CD-0AAA74C1AC74}" type="datetime1">
               <a:rPr lang="en-US" smtClean="0"/>
-              <a:t>6/8/20</a:t>
+              <a:t>4/21/21</a:t>
             </a:fld>
             <a:endParaRPr lang="en-US"/>
           </a:p>
@@ -3402,7 +3402,7 @@
           <a:p>
             <a:fld id="{AFA0C4A9-B9CF-204F-845A-78855C677058}" type="datetime1">
               <a:rPr lang="en-US" smtClean="0"/>
-              <a:t>6/8/20</a:t>
+              <a:t>4/21/21</a:t>
             </a:fld>
             <a:endParaRPr lang="en-US"/>
           </a:p>
@@ -3593,7 +3593,7 @@
           <a:p>
             <a:fld id="{19FA71EB-BBB9-284F-A0BA-D21452800DEF}" type="datetime1">
               <a:rPr lang="en-US" smtClean="0"/>
-              <a:t>6/8/20</a:t>
+              <a:t>4/21/21</a:t>
             </a:fld>
             <a:endParaRPr lang="en-US"/>
           </a:p>
@@ -3718,7 +3718,7 @@
           <a:p>
             <a:fld id="{4FD675FF-E717-2A40-AC09-B7D72BBC8572}" type="datetime1">
               <a:rPr lang="en-US" smtClean="0"/>
-              <a:t>6/8/20</a:t>
+              <a:t>4/21/21</a:t>
             </a:fld>
             <a:endParaRPr lang="en-US"/>
           </a:p>
@@ -3814,7 +3814,7 @@
           <a:p>
             <a:fld id="{50269BC5-4D28-1B46-B364-F1D1817E9371}" type="datetime1">
               <a:rPr lang="en-US" smtClean="0"/>
-              <a:t>6/8/20</a:t>
+              <a:t>4/21/21</a:t>
             </a:fld>
             <a:endParaRPr lang="en-US"/>
           </a:p>
@@ -4048,7 +4048,7 @@
           <a:p>
             <a:fld id="{0E34B6BF-76F8-634E-A5E2-C7F984B93D64}" type="datetime1">
               <a:rPr lang="en-US" smtClean="0"/>
-              <a:t>6/8/20</a:t>
+              <a:t>4/21/21</a:t>
             </a:fld>
             <a:endParaRPr lang="en-US"/>
           </a:p>
@@ -10369,8 +10369,8 @@
         </p:nvSpPr>
         <p:spPr>
           <a:xfrm>
-            <a:off x="1266584" y="3959236"/>
-            <a:ext cx="814069" cy="354965"/>
+            <a:off x="329290" y="3959236"/>
+            <a:ext cx="1751363" cy="400110"/>
           </a:xfrm>
           <a:prstGeom prst="rect">
             <a:avLst/>
@@ -10392,7 +10392,14 @@
                 <a:latin typeface="Courier New"/>
                 <a:cs typeface="Courier New"/>
               </a:rPr>
-              <a:t>&lt;div</a:t>
+              <a:t>&lt;</a:t>
+            </a:r>
+            <a:r>
+              <a:rPr lang="nl-NL" sz="2600" spc="-25" dirty="0">
+                <a:latin typeface="Courier New"/>
+                <a:cs typeface="Courier New"/>
+              </a:rPr>
+              <a:t>button</a:t>
             </a:r>
             <a:endParaRPr sz="2600" dirty="0">
               <a:latin typeface="Courier New"/>
@@ -10410,7 +10417,7 @@
         <p:spPr>
           <a:xfrm>
             <a:off x="2252613" y="3959236"/>
-            <a:ext cx="6134735" cy="354965"/>
+            <a:ext cx="8111497" cy="400110"/>
           </a:xfrm>
           <a:prstGeom prst="rect">
             <a:avLst/>
@@ -10452,7 +10459,35 @@
                 <a:latin typeface="Courier New"/>
                 <a:cs typeface="Courier New"/>
               </a:rPr>
-              <a:t>=“handleClick()”&gt;…&lt;/div&gt;</a:t>
+              <a:t>=“</a:t>
+            </a:r>
+            <a:r>
+              <a:rPr sz="2600" spc="-25" dirty="0" err="1">
+                <a:latin typeface="Courier New"/>
+                <a:cs typeface="Courier New"/>
+              </a:rPr>
+              <a:t>handleClick</a:t>
+            </a:r>
+            <a:r>
+              <a:rPr sz="2600" spc="-25" dirty="0">
+                <a:latin typeface="Courier New"/>
+                <a:cs typeface="Courier New"/>
+              </a:rPr>
+              <a:t>()”&gt;…&lt;/</a:t>
+            </a:r>
+            <a:r>
+              <a:rPr lang="nl-NL" sz="2600" spc="-25" dirty="0">
+                <a:latin typeface="Courier New"/>
+                <a:cs typeface="Courier New"/>
+              </a:rPr>
+              <a:t>button</a:t>
+            </a:r>
+            <a:r>
+              <a:rPr sz="2600" spc="-25" dirty="0">
+                <a:latin typeface="Courier New"/>
+                <a:cs typeface="Courier New"/>
+              </a:rPr>
+              <a:t>&gt;</a:t>
             </a:r>
             <a:endParaRPr sz="2600" dirty="0">
               <a:latin typeface="Courier New"/>
@@ -20330,7 +20365,7 @@
         <p:spPr>
           <a:xfrm>
             <a:off x="2088796" y="4491809"/>
-            <a:ext cx="3806825" cy="299720"/>
+            <a:ext cx="3806825" cy="330860"/>
           </a:xfrm>
           <a:prstGeom prst="rect">
             <a:avLst/>
@@ -20355,24 +20390,14 @@
                 <a:latin typeface="Courier New"/>
                 <a:cs typeface="Courier New"/>
               </a:rPr>
-              <a:t>[hidden</a:t>
-            </a:r>
-            <a:r>
-              <a:rPr sz="2150" b="1" dirty="0">
-                <a:solidFill>
-                  <a:srgbClr val="FF0000"/>
-                </a:solidFill>
-                <a:latin typeface="Courier New"/>
-                <a:cs typeface="Courier New"/>
-              </a:rPr>
-              <a:t>]</a:t>
+              <a:t>hidden</a:t>
             </a:r>
             <a:r>
               <a:rPr sz="2150" spc="-5" dirty="0">
                 <a:latin typeface="Courier New"/>
                 <a:cs typeface="Courier New"/>
               </a:rPr>
-              <a:t>=“true”&gt;…&lt;/div&gt;</a:t>
+              <a:t>=true&gt;…&lt;/div&gt;</a:t>
             </a:r>
             <a:endParaRPr sz="2150" dirty="0">
               <a:latin typeface="Courier New"/>
@@ -21251,6 +21276,16 @@
               <a:t> </a:t>
             </a:r>
             <a:r>
+              <a:rPr lang="en-NL" sz="1500" b="1" spc="5" dirty="0">
+                <a:solidFill>
+                  <a:srgbClr val="C00000"/>
+                </a:solidFill>
+                <a:latin typeface="Consolas"/>
+                <a:cs typeface="Consolas"/>
+              </a:rPr>
+              <a:t>[</a:t>
+            </a:r>
+            <a:r>
               <a:rPr sz="1500" b="1" spc="5" dirty="0">
                 <a:solidFill>
                   <a:srgbClr val="C00000"/>
@@ -21258,24 +21293,44 @@
                 <a:latin typeface="Consolas"/>
                 <a:cs typeface="Consolas"/>
               </a:rPr>
-              <a:t>[hidden]</a:t>
-            </a:r>
-            <a:r>
-              <a:rPr sz="1500" spc="5" dirty="0">
+              <a:t>hidden</a:t>
+            </a:r>
+            <a:r>
+              <a:rPr lang="en-US" sz="1500" b="1" spc="5" dirty="0">
+                <a:solidFill>
+                  <a:srgbClr val="C00000"/>
+                </a:solidFill>
+                <a:latin typeface="Consolas"/>
+                <a:cs typeface="Consolas"/>
+              </a:rPr>
+              <a:t>]</a:t>
+            </a:r>
+            <a:r>
+              <a:rPr lang="en-US" sz="1500" spc="5" dirty="0">
                 <a:latin typeface="Consolas"/>
                 <a:cs typeface="Consolas"/>
               </a:rPr>
               <a:t>=</a:t>
             </a:r>
             <a:r>
-              <a:rPr sz="1500" b="1" spc="5" dirty="0">
-                <a:solidFill>
-                  <a:srgbClr val="008000"/>
-                </a:solidFill>
-                <a:latin typeface="Consolas"/>
-                <a:cs typeface="Consolas"/>
-              </a:rPr>
-              <a:t>"textVisible</a:t>
+              <a:rPr lang="en-US" sz="1500" b="1" spc="5" dirty="0">
+                <a:solidFill>
+                  <a:srgbClr val="008000"/>
+                </a:solidFill>
+                <a:latin typeface="Consolas"/>
+                <a:cs typeface="Consolas"/>
+              </a:rPr>
+              <a:t>"</a:t>
+            </a:r>
+            <a:r>
+              <a:rPr lang="en-US" sz="1500" b="1" spc="5" dirty="0" err="1">
+                <a:solidFill>
+                  <a:srgbClr val="008000"/>
+                </a:solidFill>
+                <a:latin typeface="Consolas"/>
+                <a:cs typeface="Consolas"/>
+              </a:rPr>
+              <a:t>textVisible</a:t>
             </a:r>
             <a:r>
               <a:rPr sz="1500" b="1" dirty="0">
@@ -25279,7 +25334,7 @@
         <p:spPr>
           <a:xfrm>
             <a:off x="2908300" y="2030730"/>
-            <a:ext cx="6529070" cy="400110"/>
+            <a:ext cx="6529070" cy="1200329"/>
           </a:xfrm>
           <a:prstGeom prst="rect">
             <a:avLst/>
@@ -25366,6 +25421,41 @@
                 <a:cs typeface="Courier New"/>
               </a:rPr>
               <a:t>/&gt;</a:t>
+            </a:r>
+            <a:endParaRPr lang="nl-NL" sz="2600" spc="-25" dirty="0">
+              <a:latin typeface="Courier New"/>
+              <a:cs typeface="Courier New"/>
+            </a:endParaRPr>
+          </a:p>
+          <a:p>
+            <a:pPr marL="12700">
+              <a:lnSpc>
+                <a:spcPct val="100000"/>
+              </a:lnSpc>
+              <a:tabLst>
+                <a:tab pos="6121400" algn="l"/>
+              </a:tabLst>
+            </a:pPr>
+            <a:endParaRPr lang="en-NL" sz="2600" spc="-25" dirty="0">
+              <a:latin typeface="Courier New"/>
+              <a:cs typeface="Courier New"/>
+            </a:endParaRPr>
+          </a:p>
+          <a:p>
+            <a:pPr marL="12700">
+              <a:lnSpc>
+                <a:spcPct val="100000"/>
+              </a:lnSpc>
+              <a:tabLst>
+                <a:tab pos="6121400" algn="l"/>
+              </a:tabLst>
+            </a:pPr>
+            <a:r>
+              <a:rPr lang="en-NL" sz="2600" spc="-25" dirty="0">
+                <a:latin typeface="Courier New"/>
+                <a:cs typeface="Courier New"/>
+              </a:rPr>
+              <a:t>&lt;div&gt; {{newCity}} &lt;/div&gt;</a:t>
             </a:r>
             <a:endParaRPr sz="2600" dirty="0">
               <a:latin typeface="Courier New"/>
